--- a/Презентация_Блинов.pptx
+++ b/Презентация_Блинов.pptx
@@ -18,8 +18,7 @@
     <p:sldId id="269" r:id="rId12"/>
     <p:sldId id="270" r:id="rId13"/>
     <p:sldId id="265" r:id="rId14"/>
-    <p:sldId id="266" r:id="rId15"/>
-    <p:sldId id="268" r:id="rId16"/>
+    <p:sldId id="268" r:id="rId15"/>
   </p:sldIdLst>
   <p:sldSz cx="12192000" cy="6858000"/>
   <p:notesSz cx="6858000" cy="9144000"/>
@@ -118,6 +117,11 @@
       </a:defRPr>
     </a:lvl9pPr>
   </p:defaultTextStyle>
+  <p:extLst>
+    <p:ext uri="{EFAFB233-063F-42B5-8137-9DF3F51BA10A}">
+      <p15:sldGuideLst xmlns:p15="http://schemas.microsoft.com/office/powerpoint/2012/main"/>
+    </p:ext>
+  </p:extLst>
 </p:presentation>
 </file>
 
@@ -268,7 +272,7 @@
           <a:p>
             <a:fld id="{DA7C40F0-C474-DD47-9AD0-6878EDC91180}" type="datetimeFigureOut">
               <a:rPr lang="ru-RU" smtClean="0"/>
-              <a:t>05.04.2022</a:t>
+              <a:t>06.04.2022</a:t>
             </a:fld>
             <a:endParaRPr lang="ru-RU"/>
           </a:p>
@@ -466,7 +470,7 @@
           <a:p>
             <a:fld id="{DA7C40F0-C474-DD47-9AD0-6878EDC91180}" type="datetimeFigureOut">
               <a:rPr lang="ru-RU" smtClean="0"/>
-              <a:t>05.04.2022</a:t>
+              <a:t>06.04.2022</a:t>
             </a:fld>
             <a:endParaRPr lang="ru-RU"/>
           </a:p>
@@ -674,7 +678,7 @@
           <a:p>
             <a:fld id="{DA7C40F0-C474-DD47-9AD0-6878EDC91180}" type="datetimeFigureOut">
               <a:rPr lang="ru-RU" smtClean="0"/>
-              <a:t>05.04.2022</a:t>
+              <a:t>06.04.2022</a:t>
             </a:fld>
             <a:endParaRPr lang="ru-RU"/>
           </a:p>
@@ -872,7 +876,7 @@
           <a:p>
             <a:fld id="{DA7C40F0-C474-DD47-9AD0-6878EDC91180}" type="datetimeFigureOut">
               <a:rPr lang="ru-RU" smtClean="0"/>
-              <a:t>05.04.2022</a:t>
+              <a:t>06.04.2022</a:t>
             </a:fld>
             <a:endParaRPr lang="ru-RU"/>
           </a:p>
@@ -1147,7 +1151,7 @@
           <a:p>
             <a:fld id="{DA7C40F0-C474-DD47-9AD0-6878EDC91180}" type="datetimeFigureOut">
               <a:rPr lang="ru-RU" smtClean="0"/>
-              <a:t>05.04.2022</a:t>
+              <a:t>06.04.2022</a:t>
             </a:fld>
             <a:endParaRPr lang="ru-RU"/>
           </a:p>
@@ -1412,7 +1416,7 @@
           <a:p>
             <a:fld id="{DA7C40F0-C474-DD47-9AD0-6878EDC91180}" type="datetimeFigureOut">
               <a:rPr lang="ru-RU" smtClean="0"/>
-              <a:t>05.04.2022</a:t>
+              <a:t>06.04.2022</a:t>
             </a:fld>
             <a:endParaRPr lang="ru-RU"/>
           </a:p>
@@ -1824,7 +1828,7 @@
           <a:p>
             <a:fld id="{DA7C40F0-C474-DD47-9AD0-6878EDC91180}" type="datetimeFigureOut">
               <a:rPr lang="ru-RU" smtClean="0"/>
-              <a:t>05.04.2022</a:t>
+              <a:t>06.04.2022</a:t>
             </a:fld>
             <a:endParaRPr lang="ru-RU"/>
           </a:p>
@@ -1965,7 +1969,7 @@
           <a:p>
             <a:fld id="{DA7C40F0-C474-DD47-9AD0-6878EDC91180}" type="datetimeFigureOut">
               <a:rPr lang="ru-RU" smtClean="0"/>
-              <a:t>05.04.2022</a:t>
+              <a:t>06.04.2022</a:t>
             </a:fld>
             <a:endParaRPr lang="ru-RU"/>
           </a:p>
@@ -2078,7 +2082,7 @@
           <a:p>
             <a:fld id="{DA7C40F0-C474-DD47-9AD0-6878EDC91180}" type="datetimeFigureOut">
               <a:rPr lang="ru-RU" smtClean="0"/>
-              <a:t>05.04.2022</a:t>
+              <a:t>06.04.2022</a:t>
             </a:fld>
             <a:endParaRPr lang="ru-RU"/>
           </a:p>
@@ -2389,7 +2393,7 @@
           <a:p>
             <a:fld id="{DA7C40F0-C474-DD47-9AD0-6878EDC91180}" type="datetimeFigureOut">
               <a:rPr lang="ru-RU" smtClean="0"/>
-              <a:t>05.04.2022</a:t>
+              <a:t>06.04.2022</a:t>
             </a:fld>
             <a:endParaRPr lang="ru-RU"/>
           </a:p>
@@ -2677,7 +2681,7 @@
           <a:p>
             <a:fld id="{DA7C40F0-C474-DD47-9AD0-6878EDC91180}" type="datetimeFigureOut">
               <a:rPr lang="ru-RU" smtClean="0"/>
-              <a:t>05.04.2022</a:t>
+              <a:t>06.04.2022</a:t>
             </a:fld>
             <a:endParaRPr lang="ru-RU"/>
           </a:p>
@@ -2918,7 +2922,7 @@
           <a:p>
             <a:fld id="{DA7C40F0-C474-DD47-9AD0-6878EDC91180}" type="datetimeFigureOut">
               <a:rPr lang="ru-RU" smtClean="0"/>
-              <a:t>05.04.2022</a:t>
+              <a:t>06.04.2022</a:t>
             </a:fld>
             <a:endParaRPr lang="ru-RU"/>
           </a:p>
@@ -3607,6 +3611,88 @@
           </a:xfrm>
         </p:spPr>
       </p:pic>
+      <p:sp>
+        <p:nvSpPr>
+          <p:cNvPr id="3" name="TextBox 2">
+            <a:extLst>
+              <a:ext uri="{FF2B5EF4-FFF2-40B4-BE49-F238E27FC236}">
+                <a16:creationId xmlns:a16="http://schemas.microsoft.com/office/drawing/2014/main" id="{6617D1F0-63CF-0D49-96EE-B2479ED200DB}"/>
+              </a:ext>
+            </a:extLst>
+          </p:cNvPr>
+          <p:cNvSpPr txBox="1"/>
+          <p:nvPr/>
+        </p:nvSpPr>
+        <p:spPr>
+          <a:xfrm>
+            <a:off x="389106" y="611701"/>
+            <a:ext cx="1945532" cy="646331"/>
+          </a:xfrm>
+          <a:prstGeom prst="rect">
+            <a:avLst/>
+          </a:prstGeom>
+          <a:noFill/>
+        </p:spPr>
+        <p:txBody>
+          <a:bodyPr wrap="square" rtlCol="0">
+            <a:spAutoFit/>
+          </a:bodyPr>
+          <a:lstStyle/>
+          <a:p>
+            <a:r>
+              <a:rPr lang="ru-RU" dirty="0"/>
+              <a:t>Диапазон =</a:t>
+            </a:r>
+          </a:p>
+          <a:p>
+            <a:r>
+              <a:rPr lang="ru-RU" dirty="0"/>
+              <a:t>0</a:t>
+            </a:r>
+            <a:r>
+              <a:rPr lang="en-US" dirty="0"/>
+              <a:t>;10</a:t>
+            </a:r>
+            <a:endParaRPr lang="ru-RU" dirty="0"/>
+          </a:p>
+        </p:txBody>
+      </p:sp>
+      <p:sp>
+        <p:nvSpPr>
+          <p:cNvPr id="6" name="TextBox 5">
+            <a:extLst>
+              <a:ext uri="{FF2B5EF4-FFF2-40B4-BE49-F238E27FC236}">
+                <a16:creationId xmlns:a16="http://schemas.microsoft.com/office/drawing/2014/main" id="{0ED7BE22-0EDE-044A-8F0F-80E10FBC1981}"/>
+              </a:ext>
+            </a:extLst>
+          </p:cNvPr>
+          <p:cNvSpPr txBox="1"/>
+          <p:nvPr/>
+        </p:nvSpPr>
+        <p:spPr>
+          <a:xfrm>
+            <a:off x="9857362" y="611701"/>
+            <a:ext cx="1945532" cy="646331"/>
+          </a:xfrm>
+          <a:prstGeom prst="rect">
+            <a:avLst/>
+          </a:prstGeom>
+          <a:noFill/>
+        </p:spPr>
+        <p:txBody>
+          <a:bodyPr wrap="square" rtlCol="0">
+            <a:spAutoFit/>
+          </a:bodyPr>
+          <a:lstStyle/>
+          <a:p>
+            <a:pPr algn="r"/>
+            <a:r>
+              <a:rPr lang="ru-RU" dirty="0"/>
+              <a:t>Длина массива = 100</a:t>
+            </a:r>
+          </a:p>
+        </p:txBody>
+      </p:sp>
     </p:spTree>
     <p:extLst>
       <p:ext uri="{BB962C8B-B14F-4D97-AF65-F5344CB8AC3E}">
@@ -3721,6 +3807,91 @@
           </a:p>
         </p:txBody>
       </p:sp>
+      <p:sp>
+        <p:nvSpPr>
+          <p:cNvPr id="5" name="TextBox 4">
+            <a:extLst>
+              <a:ext uri="{FF2B5EF4-FFF2-40B4-BE49-F238E27FC236}">
+                <a16:creationId xmlns:a16="http://schemas.microsoft.com/office/drawing/2014/main" id="{4B639A26-C39D-8746-8222-93033E03074C}"/>
+              </a:ext>
+            </a:extLst>
+          </p:cNvPr>
+          <p:cNvSpPr txBox="1"/>
+          <p:nvPr/>
+        </p:nvSpPr>
+        <p:spPr>
+          <a:xfrm>
+            <a:off x="389106" y="611701"/>
+            <a:ext cx="1945532" cy="646331"/>
+          </a:xfrm>
+          <a:prstGeom prst="rect">
+            <a:avLst/>
+          </a:prstGeom>
+          <a:noFill/>
+        </p:spPr>
+        <p:txBody>
+          <a:bodyPr wrap="square" rtlCol="0">
+            <a:spAutoFit/>
+          </a:bodyPr>
+          <a:lstStyle/>
+          <a:p>
+            <a:r>
+              <a:rPr lang="ru-RU" dirty="0"/>
+              <a:t>Диапазон =</a:t>
+            </a:r>
+          </a:p>
+          <a:p>
+            <a:r>
+              <a:rPr lang="ru-RU" dirty="0"/>
+              <a:t>0</a:t>
+            </a:r>
+            <a:r>
+              <a:rPr lang="en-US" dirty="0"/>
+              <a:t>;10</a:t>
+            </a:r>
+            <a:r>
+              <a:rPr lang="ru-RU" dirty="0"/>
+              <a:t>0</a:t>
+            </a:r>
+          </a:p>
+        </p:txBody>
+      </p:sp>
+      <p:sp>
+        <p:nvSpPr>
+          <p:cNvPr id="7" name="TextBox 6">
+            <a:extLst>
+              <a:ext uri="{FF2B5EF4-FFF2-40B4-BE49-F238E27FC236}">
+                <a16:creationId xmlns:a16="http://schemas.microsoft.com/office/drawing/2014/main" id="{47DBFC69-5AB1-0848-9E7B-33AB853DE43C}"/>
+              </a:ext>
+            </a:extLst>
+          </p:cNvPr>
+          <p:cNvSpPr txBox="1"/>
+          <p:nvPr/>
+        </p:nvSpPr>
+        <p:spPr>
+          <a:xfrm>
+            <a:off x="9857362" y="611701"/>
+            <a:ext cx="1945532" cy="646331"/>
+          </a:xfrm>
+          <a:prstGeom prst="rect">
+            <a:avLst/>
+          </a:prstGeom>
+          <a:noFill/>
+        </p:spPr>
+        <p:txBody>
+          <a:bodyPr wrap="square" rtlCol="0">
+            <a:spAutoFit/>
+          </a:bodyPr>
+          <a:lstStyle/>
+          <a:p>
+            <a:pPr algn="r"/>
+            <a:r>
+              <a:rPr lang="ru-RU" dirty="0"/>
+              <a:t>Длина массива = 100</a:t>
+            </a:r>
+          </a:p>
+        </p:txBody>
+      </p:sp>
     </p:spTree>
     <p:extLst>
       <p:ext uri="{BB962C8B-B14F-4D97-AF65-F5344CB8AC3E}">
@@ -3835,6 +4006,91 @@
           </a:xfrm>
         </p:spPr>
       </p:pic>
+      <p:sp>
+        <p:nvSpPr>
+          <p:cNvPr id="5" name="TextBox 4">
+            <a:extLst>
+              <a:ext uri="{FF2B5EF4-FFF2-40B4-BE49-F238E27FC236}">
+                <a16:creationId xmlns:a16="http://schemas.microsoft.com/office/drawing/2014/main" id="{F862AF16-F092-9E48-9DB5-454D8C0B3143}"/>
+              </a:ext>
+            </a:extLst>
+          </p:cNvPr>
+          <p:cNvSpPr txBox="1"/>
+          <p:nvPr/>
+        </p:nvSpPr>
+        <p:spPr>
+          <a:xfrm>
+            <a:off x="389106" y="611701"/>
+            <a:ext cx="1945532" cy="646331"/>
+          </a:xfrm>
+          <a:prstGeom prst="rect">
+            <a:avLst/>
+          </a:prstGeom>
+          <a:noFill/>
+        </p:spPr>
+        <p:txBody>
+          <a:bodyPr wrap="square" rtlCol="0">
+            <a:spAutoFit/>
+          </a:bodyPr>
+          <a:lstStyle/>
+          <a:p>
+            <a:r>
+              <a:rPr lang="ru-RU" dirty="0"/>
+              <a:t>Диапазон =</a:t>
+            </a:r>
+          </a:p>
+          <a:p>
+            <a:r>
+              <a:rPr lang="ru-RU" dirty="0"/>
+              <a:t>0</a:t>
+            </a:r>
+            <a:r>
+              <a:rPr lang="en-US" dirty="0"/>
+              <a:t>;</a:t>
+            </a:r>
+            <a:r>
+              <a:rPr lang="ru-RU" dirty="0"/>
+              <a:t>100</a:t>
+            </a:r>
+          </a:p>
+        </p:txBody>
+      </p:sp>
+      <p:sp>
+        <p:nvSpPr>
+          <p:cNvPr id="6" name="TextBox 5">
+            <a:extLst>
+              <a:ext uri="{FF2B5EF4-FFF2-40B4-BE49-F238E27FC236}">
+                <a16:creationId xmlns:a16="http://schemas.microsoft.com/office/drawing/2014/main" id="{5B61E726-A25A-2D46-AD73-FD1DAD3B5EF5}"/>
+              </a:ext>
+            </a:extLst>
+          </p:cNvPr>
+          <p:cNvSpPr txBox="1"/>
+          <p:nvPr/>
+        </p:nvSpPr>
+        <p:spPr>
+          <a:xfrm>
+            <a:off x="9857362" y="611701"/>
+            <a:ext cx="1945532" cy="646331"/>
+          </a:xfrm>
+          <a:prstGeom prst="rect">
+            <a:avLst/>
+          </a:prstGeom>
+          <a:noFill/>
+        </p:spPr>
+        <p:txBody>
+          <a:bodyPr wrap="square" rtlCol="0">
+            <a:spAutoFit/>
+          </a:bodyPr>
+          <a:lstStyle/>
+          <a:p>
+            <a:pPr algn="r"/>
+            <a:r>
+              <a:rPr lang="ru-RU" dirty="0"/>
+              <a:t>Длина массива = 10000</a:t>
+            </a:r>
+          </a:p>
+        </p:txBody>
+      </p:sp>
     </p:spTree>
     <p:extLst>
       <p:ext uri="{BB962C8B-B14F-4D97-AF65-F5344CB8AC3E}">
@@ -4210,93 +4466,6 @@
           <p:cNvPr id="2" name="Заголовок 1">
             <a:extLst>
               <a:ext uri="{FF2B5EF4-FFF2-40B4-BE49-F238E27FC236}">
-                <a16:creationId xmlns:a16="http://schemas.microsoft.com/office/drawing/2014/main" id="{DB171D14-530F-2949-8349-DB406CFEA984}"/>
-              </a:ext>
-            </a:extLst>
-          </p:cNvPr>
-          <p:cNvSpPr>
-            <a:spLocks noGrp="1"/>
-          </p:cNvSpPr>
-          <p:nvPr>
-            <p:ph type="title"/>
-          </p:nvPr>
-        </p:nvSpPr>
-        <p:spPr/>
-        <p:txBody>
-          <a:bodyPr/>
-          <a:lstStyle/>
-          <a:p>
-            <a:pPr algn="ctr"/>
-            <a:r>
-              <a:rPr lang="ru-RU" b="1" dirty="0"/>
-              <a:t>Вывод</a:t>
-            </a:r>
-          </a:p>
-        </p:txBody>
-      </p:sp>
-      <p:sp>
-        <p:nvSpPr>
-          <p:cNvPr id="3" name="Объект 2">
-            <a:extLst>
-              <a:ext uri="{FF2B5EF4-FFF2-40B4-BE49-F238E27FC236}">
-                <a16:creationId xmlns:a16="http://schemas.microsoft.com/office/drawing/2014/main" id="{C07E0E52-4DF3-874F-B14B-3055FA757875}"/>
-              </a:ext>
-            </a:extLst>
-          </p:cNvPr>
-          <p:cNvSpPr>
-            <a:spLocks noGrp="1"/>
-          </p:cNvSpPr>
-          <p:nvPr>
-            <p:ph idx="1"/>
-          </p:nvPr>
-        </p:nvSpPr>
-        <p:spPr/>
-        <p:txBody>
-          <a:bodyPr/>
-          <a:lstStyle/>
-          <a:p>
-            <a:pPr marL="0" indent="0" algn="ctr">
-              <a:buNone/>
-            </a:pPr>
-            <a:endParaRPr lang="ru-RU" dirty="0"/>
-          </a:p>
-        </p:txBody>
-      </p:sp>
-    </p:spTree>
-    <p:extLst>
-      <p:ext uri="{BB962C8B-B14F-4D97-AF65-F5344CB8AC3E}">
-        <p14:creationId xmlns:p14="http://schemas.microsoft.com/office/powerpoint/2010/main" val="3458840796"/>
-      </p:ext>
-    </p:extLst>
-  </p:cSld>
-  <p:clrMapOvr>
-    <a:masterClrMapping/>
-  </p:clrMapOvr>
-</p:sld>
-</file>
-
-<file path=ppt/slides/slide15.xml><?xml version="1.0" encoding="utf-8"?>
-<p:sld xmlns:a="http://schemas.openxmlformats.org/drawingml/2006/main" xmlns:r="http://schemas.openxmlformats.org/officeDocument/2006/relationships" xmlns:p="http://schemas.openxmlformats.org/presentationml/2006/main">
-  <p:cSld>
-    <p:spTree>
-      <p:nvGrpSpPr>
-        <p:cNvPr id="1" name=""/>
-        <p:cNvGrpSpPr/>
-        <p:nvPr/>
-      </p:nvGrpSpPr>
-      <p:grpSpPr>
-        <a:xfrm>
-          <a:off x="0" y="0"/>
-          <a:ext cx="0" cy="0"/>
-          <a:chOff x="0" y="0"/>
-          <a:chExt cx="0" cy="0"/>
-        </a:xfrm>
-      </p:grpSpPr>
-      <p:sp>
-        <p:nvSpPr>
-          <p:cNvPr id="2" name="Заголовок 1">
-            <a:extLst>
-              <a:ext uri="{FF2B5EF4-FFF2-40B4-BE49-F238E27FC236}">
                 <a16:creationId xmlns:a16="http://schemas.microsoft.com/office/drawing/2014/main" id="{8F4DAED4-ABF1-A94C-83D1-47451BB88887}"/>
               </a:ext>
             </a:extLst>
@@ -5128,6 +5297,78 @@
           </a:prstGeom>
         </p:spPr>
       </p:pic>
+      <p:sp>
+        <p:nvSpPr>
+          <p:cNvPr id="3" name="TextBox 2">
+            <a:extLst>
+              <a:ext uri="{FF2B5EF4-FFF2-40B4-BE49-F238E27FC236}">
+                <a16:creationId xmlns:a16="http://schemas.microsoft.com/office/drawing/2014/main" id="{45D5C0B2-97CE-534B-98DD-D0B630399FA4}"/>
+              </a:ext>
+            </a:extLst>
+          </p:cNvPr>
+          <p:cNvSpPr txBox="1"/>
+          <p:nvPr/>
+        </p:nvSpPr>
+        <p:spPr>
+          <a:xfrm>
+            <a:off x="1849621" y="5347008"/>
+            <a:ext cx="2702924" cy="338554"/>
+          </a:xfrm>
+          <a:prstGeom prst="rect">
+            <a:avLst/>
+          </a:prstGeom>
+          <a:noFill/>
+        </p:spPr>
+        <p:txBody>
+          <a:bodyPr wrap="square" rtlCol="0">
+            <a:spAutoFit/>
+          </a:bodyPr>
+          <a:lstStyle/>
+          <a:p>
+            <a:pPr algn="ctr"/>
+            <a:r>
+              <a:rPr lang="ru-RU" sz="1600" i="1" dirty="0"/>
+              <a:t>Множество Мандельброта</a:t>
+            </a:r>
+          </a:p>
+        </p:txBody>
+      </p:sp>
+      <p:sp>
+        <p:nvSpPr>
+          <p:cNvPr id="8" name="TextBox 7">
+            <a:extLst>
+              <a:ext uri="{FF2B5EF4-FFF2-40B4-BE49-F238E27FC236}">
+                <a16:creationId xmlns:a16="http://schemas.microsoft.com/office/drawing/2014/main" id="{719636F9-2651-9947-8376-F0A98ED1A642}"/>
+              </a:ext>
+            </a:extLst>
+          </p:cNvPr>
+          <p:cNvSpPr txBox="1"/>
+          <p:nvPr/>
+        </p:nvSpPr>
+        <p:spPr>
+          <a:xfrm>
+            <a:off x="7380801" y="5340769"/>
+            <a:ext cx="2702924" cy="338554"/>
+          </a:xfrm>
+          <a:prstGeom prst="rect">
+            <a:avLst/>
+          </a:prstGeom>
+          <a:noFill/>
+        </p:spPr>
+        <p:txBody>
+          <a:bodyPr wrap="square" rtlCol="0">
+            <a:spAutoFit/>
+          </a:bodyPr>
+          <a:lstStyle/>
+          <a:p>
+            <a:pPr algn="ctr"/>
+            <a:r>
+              <a:rPr lang="ru-RU" sz="1600" i="1" dirty="0"/>
+              <a:t>Кривая Коха</a:t>
+            </a:r>
+          </a:p>
+        </p:txBody>
+      </p:sp>
     </p:spTree>
     <p:extLst>
       <p:ext uri="{BB962C8B-B14F-4D97-AF65-F5344CB8AC3E}">
